--- a/docs/Documentation164.pptx
+++ b/docs/Documentation164.pptx
@@ -119,6 +119,11 @@
       </a:defRPr>
     </a:lvl9pPr>
   </p:defaultTextStyle>
+  <p:extLst>
+    <p:ext uri="{EFAFB233-063F-42B5-8137-9DF3F51BA10A}">
+      <p15:sldGuideLst xmlns:p15="http://schemas.microsoft.com/office/powerpoint/2012/main"/>
+    </p:ext>
+  </p:extLst>
 </p:presentation>
 </file>
 
@@ -3926,14 +3931,13 @@
               </a:ext>
             </a:extLst>
           </a:blip>
-          <a:stretch>
-            <a:fillRect/>
-          </a:stretch>
+          <a:srcRect/>
+          <a:stretch/>
         </p:blipFill>
         <p:spPr>
           <a:xfrm>
-            <a:off x="2055666" y="1388626"/>
-            <a:ext cx="8949347" cy="4881462"/>
+            <a:off x="1022265" y="941295"/>
+            <a:ext cx="10147467" cy="5534982"/>
           </a:xfrm>
         </p:spPr>
       </p:pic>
@@ -3951,7 +3955,7 @@
         </p:nvSpPr>
         <p:spPr>
           <a:xfrm>
-            <a:off x="5234939" y="587912"/>
+            <a:off x="5234939" y="381723"/>
             <a:ext cx="1722120" cy="369332"/>
           </a:xfrm>
           <a:prstGeom prst="rect">
@@ -4551,14 +4555,13 @@
               </a:ext>
             </a:extLst>
           </a:blip>
-          <a:stretch>
-            <a:fillRect/>
-          </a:stretch>
+          <a:srcRect/>
+          <a:stretch/>
         </p:blipFill>
         <p:spPr>
           <a:xfrm>
             <a:off x="719393" y="1551781"/>
-            <a:ext cx="4943220" cy="4802187"/>
+            <a:ext cx="4943220" cy="4802186"/>
           </a:xfrm>
           <a:prstGeom prst="rect">
             <a:avLst/>
